--- a/2024-2025/slides_pptx/3.5_functions_p1.pptx
+++ b/2024-2025/slides_pptx/3.5_functions_p1.pptx
@@ -5,7 +5,7 @@
     <p:sldMasterId id="2147483660" r:id="rId1"/>
   </p:sldMasterIdLst>
   <p:notesMasterIdLst>
-    <p:notesMasterId r:id="rId10"/>
+    <p:notesMasterId r:id="rId11"/>
   </p:notesMasterIdLst>
   <p:sldIdLst>
     <p:sldId id="256" r:id="rId2"/>
@@ -16,6 +16,7 @@
     <p:sldId id="278" r:id="rId7"/>
     <p:sldId id="279" r:id="rId8"/>
     <p:sldId id="280" r:id="rId9"/>
+    <p:sldId id="282" r:id="rId10"/>
   </p:sldIdLst>
   <p:sldSz cx="12192000" cy="6858000"/>
   <p:notesSz cx="6858000" cy="9144000"/>
@@ -216,7 +217,7 @@
           <a:p>
             <a:fld id="{85EF5437-F444-4613-A039-4AD69D91C86A}" type="datetimeFigureOut">
               <a:rPr lang="ru-RU" smtClean="0"/>
-              <a:t>29.09.2024</a:t>
+              <a:t>05.10.2024</a:t>
             </a:fld>
             <a:endParaRPr lang="ru-RU"/>
           </a:p>
@@ -1155,6 +1156,90 @@
 </p:notes>
 </file>
 
+<file path=ppt/notesSlides/notesSlide9.xml><?xml version="1.0" encoding="utf-8"?>
+<p:notes xmlns:a="http://schemas.openxmlformats.org/drawingml/2006/main" xmlns:r="http://schemas.openxmlformats.org/officeDocument/2006/relationships" xmlns:p="http://schemas.openxmlformats.org/presentationml/2006/main">
+  <p:cSld>
+    <p:spTree>
+      <p:nvGrpSpPr>
+        <p:cNvPr id="1" name=""/>
+        <p:cNvGrpSpPr/>
+        <p:nvPr/>
+      </p:nvGrpSpPr>
+      <p:grpSpPr>
+        <a:xfrm>
+          <a:off x="0" y="0"/>
+          <a:ext cx="0" cy="0"/>
+          <a:chOff x="0" y="0"/>
+          <a:chExt cx="0" cy="0"/>
+        </a:xfrm>
+      </p:grpSpPr>
+      <p:sp>
+        <p:nvSpPr>
+          <p:cNvPr id="2" name="Образ слайда 1"/>
+          <p:cNvSpPr>
+            <a:spLocks noGrp="1" noRot="1" noChangeAspect="1"/>
+          </p:cNvSpPr>
+          <p:nvPr>
+            <p:ph type="sldImg"/>
+          </p:nvPr>
+        </p:nvSpPr>
+        <p:spPr/>
+      </p:sp>
+      <p:sp>
+        <p:nvSpPr>
+          <p:cNvPr id="3" name="Заметки 2"/>
+          <p:cNvSpPr>
+            <a:spLocks noGrp="1"/>
+          </p:cNvSpPr>
+          <p:nvPr>
+            <p:ph type="body" idx="1"/>
+          </p:nvPr>
+        </p:nvSpPr>
+        <p:spPr/>
+        <p:txBody>
+          <a:bodyPr/>
+          <a:lstStyle/>
+          <a:p>
+            <a:endParaRPr lang="ru-RU" dirty="0"/>
+          </a:p>
+        </p:txBody>
+      </p:sp>
+      <p:sp>
+        <p:nvSpPr>
+          <p:cNvPr id="4" name="Номер слайда 3"/>
+          <p:cNvSpPr>
+            <a:spLocks noGrp="1"/>
+          </p:cNvSpPr>
+          <p:nvPr>
+            <p:ph type="sldNum" sz="quarter" idx="10"/>
+          </p:nvPr>
+        </p:nvSpPr>
+        <p:spPr/>
+        <p:txBody>
+          <a:bodyPr/>
+          <a:lstStyle/>
+          <a:p>
+            <a:fld id="{207EAB29-8E86-49C7-96F5-7C9D72076108}" type="slidenum">
+              <a:rPr lang="ru-RU" smtClean="0"/>
+              <a:t>9</a:t>
+            </a:fld>
+            <a:endParaRPr lang="ru-RU"/>
+          </a:p>
+        </p:txBody>
+      </p:sp>
+    </p:spTree>
+    <p:extLst>
+      <p:ext uri="{BB962C8B-B14F-4D97-AF65-F5344CB8AC3E}">
+        <p14:creationId xmlns:p14="http://schemas.microsoft.com/office/powerpoint/2010/main" val="1436567214"/>
+      </p:ext>
+    </p:extLst>
+  </p:cSld>
+  <p:clrMapOvr>
+    <a:masterClrMapping/>
+  </p:clrMapOvr>
+</p:notes>
+</file>
+
 <file path=ppt/slideLayouts/slideLayout1.xml><?xml version="1.0" encoding="utf-8"?>
 <p:sldLayout xmlns:a="http://schemas.openxmlformats.org/drawingml/2006/main" xmlns:r="http://schemas.openxmlformats.org/officeDocument/2006/relationships" xmlns:p="http://schemas.openxmlformats.org/presentationml/2006/main" type="title" preserve="1">
   <p:cSld name="Титульный слайд">
@@ -1286,7 +1371,7 @@
           <a:p>
             <a:fld id="{58BF7D01-7D49-4F37-AA30-F04C65571A4A}" type="datetimeFigureOut">
               <a:rPr lang="ru-RU" smtClean="0"/>
-              <a:t>29.09.2024</a:t>
+              <a:t>05.10.2024</a:t>
             </a:fld>
             <a:endParaRPr lang="ru-RU"/>
           </a:p>
@@ -1456,7 +1541,7 @@
           <a:p>
             <a:fld id="{58BF7D01-7D49-4F37-AA30-F04C65571A4A}" type="datetimeFigureOut">
               <a:rPr lang="ru-RU" smtClean="0"/>
-              <a:t>29.09.2024</a:t>
+              <a:t>05.10.2024</a:t>
             </a:fld>
             <a:endParaRPr lang="ru-RU"/>
           </a:p>
@@ -1636,7 +1721,7 @@
           <a:p>
             <a:fld id="{58BF7D01-7D49-4F37-AA30-F04C65571A4A}" type="datetimeFigureOut">
               <a:rPr lang="ru-RU" smtClean="0"/>
-              <a:t>29.09.2024</a:t>
+              <a:t>05.10.2024</a:t>
             </a:fld>
             <a:endParaRPr lang="ru-RU"/>
           </a:p>
@@ -1806,7 +1891,7 @@
           <a:p>
             <a:fld id="{58BF7D01-7D49-4F37-AA30-F04C65571A4A}" type="datetimeFigureOut">
               <a:rPr lang="ru-RU" smtClean="0"/>
-              <a:t>29.09.2024</a:t>
+              <a:t>05.10.2024</a:t>
             </a:fld>
             <a:endParaRPr lang="ru-RU"/>
           </a:p>
@@ -2052,7 +2137,7 @@
           <a:p>
             <a:fld id="{58BF7D01-7D49-4F37-AA30-F04C65571A4A}" type="datetimeFigureOut">
               <a:rPr lang="ru-RU" smtClean="0"/>
-              <a:t>29.09.2024</a:t>
+              <a:t>05.10.2024</a:t>
             </a:fld>
             <a:endParaRPr lang="ru-RU"/>
           </a:p>
@@ -2284,7 +2369,7 @@
           <a:p>
             <a:fld id="{58BF7D01-7D49-4F37-AA30-F04C65571A4A}" type="datetimeFigureOut">
               <a:rPr lang="ru-RU" smtClean="0"/>
-              <a:t>29.09.2024</a:t>
+              <a:t>05.10.2024</a:t>
             </a:fld>
             <a:endParaRPr lang="ru-RU"/>
           </a:p>
@@ -2651,7 +2736,7 @@
           <a:p>
             <a:fld id="{58BF7D01-7D49-4F37-AA30-F04C65571A4A}" type="datetimeFigureOut">
               <a:rPr lang="ru-RU" smtClean="0"/>
-              <a:t>29.09.2024</a:t>
+              <a:t>05.10.2024</a:t>
             </a:fld>
             <a:endParaRPr lang="ru-RU"/>
           </a:p>
@@ -2769,7 +2854,7 @@
           <a:p>
             <a:fld id="{58BF7D01-7D49-4F37-AA30-F04C65571A4A}" type="datetimeFigureOut">
               <a:rPr lang="ru-RU" smtClean="0"/>
-              <a:t>29.09.2024</a:t>
+              <a:t>05.10.2024</a:t>
             </a:fld>
             <a:endParaRPr lang="ru-RU"/>
           </a:p>
@@ -2864,7 +2949,7 @@
           <a:p>
             <a:fld id="{58BF7D01-7D49-4F37-AA30-F04C65571A4A}" type="datetimeFigureOut">
               <a:rPr lang="ru-RU" smtClean="0"/>
-              <a:t>29.09.2024</a:t>
+              <a:t>05.10.2024</a:t>
             </a:fld>
             <a:endParaRPr lang="ru-RU"/>
           </a:p>
@@ -3141,7 +3226,7 @@
           <a:p>
             <a:fld id="{58BF7D01-7D49-4F37-AA30-F04C65571A4A}" type="datetimeFigureOut">
               <a:rPr lang="ru-RU" smtClean="0"/>
-              <a:t>29.09.2024</a:t>
+              <a:t>05.10.2024</a:t>
             </a:fld>
             <a:endParaRPr lang="ru-RU"/>
           </a:p>
@@ -3398,7 +3483,7 @@
           <a:p>
             <a:fld id="{58BF7D01-7D49-4F37-AA30-F04C65571A4A}" type="datetimeFigureOut">
               <a:rPr lang="ru-RU" smtClean="0"/>
-              <a:t>29.09.2024</a:t>
+              <a:t>05.10.2024</a:t>
             </a:fld>
             <a:endParaRPr lang="ru-RU"/>
           </a:p>
@@ -3611,7 +3696,7 @@
           <a:p>
             <a:fld id="{58BF7D01-7D49-4F37-AA30-F04C65571A4A}" type="datetimeFigureOut">
               <a:rPr lang="ru-RU" smtClean="0"/>
-              <a:t>29.09.2024</a:t>
+              <a:t>05.10.2024</a:t>
             </a:fld>
             <a:endParaRPr lang="ru-RU"/>
           </a:p>
@@ -4311,8 +4396,8 @@
         </p:nvSpPr>
         <p:spPr>
           <a:xfrm>
-            <a:off x="3355177" y="2047543"/>
-            <a:ext cx="5481641" cy="2862322"/>
+            <a:off x="3355177" y="1902500"/>
+            <a:ext cx="5481641" cy="3970318"/>
           </a:xfrm>
           <a:prstGeom prst="rect">
             <a:avLst/>
@@ -4391,6 +4476,35 @@
                 <a:cs typeface="Times New Roman" panose="02020603050405020304" pitchFamily="18" charset="0"/>
               </a:rPr>
               <a:t>}</a:t>
+            </a:r>
+            <a:endParaRPr lang="ru-RU" sz="3600" dirty="0">
+              <a:latin typeface="Times New Roman" panose="02020603050405020304" pitchFamily="18" charset="0"/>
+              <a:cs typeface="Times New Roman" panose="02020603050405020304" pitchFamily="18" charset="0"/>
+            </a:endParaRPr>
+          </a:p>
+          <a:p>
+            <a:r>
+              <a:rPr lang="en-US" sz="3600" dirty="0">
+                <a:latin typeface="Times New Roman" panose="02020603050405020304" pitchFamily="18" charset="0"/>
+                <a:cs typeface="Times New Roman" panose="02020603050405020304" pitchFamily="18" charset="0"/>
+              </a:rPr>
+              <a:t>…</a:t>
+            </a:r>
+          </a:p>
+          <a:p>
+            <a:r>
+              <a:rPr lang="en-US" sz="3600" dirty="0">
+                <a:latin typeface="Times New Roman" panose="02020603050405020304" pitchFamily="18" charset="0"/>
+                <a:cs typeface="Times New Roman" panose="02020603050405020304" pitchFamily="18" charset="0"/>
+              </a:rPr>
+              <a:t>meow(); // </a:t>
+            </a:r>
+            <a:r>
+              <a:rPr lang="ru-RU" sz="3600" dirty="0">
+                <a:latin typeface="Times New Roman" panose="02020603050405020304" pitchFamily="18" charset="0"/>
+                <a:cs typeface="Times New Roman" panose="02020603050405020304" pitchFamily="18" charset="0"/>
+              </a:rPr>
+              <a:t>вызов функции</a:t>
             </a:r>
           </a:p>
         </p:txBody>
@@ -5763,6 +5877,120 @@
     <p:extLst>
       <p:ext uri="{BB962C8B-B14F-4D97-AF65-F5344CB8AC3E}">
         <p14:creationId xmlns:p14="http://schemas.microsoft.com/office/powerpoint/2010/main" val="1380313354"/>
+      </p:ext>
+    </p:extLst>
+  </p:cSld>
+  <p:clrMapOvr>
+    <a:masterClrMapping/>
+  </p:clrMapOvr>
+</p:sld>
+</file>
+
+<file path=ppt/slides/slide9.xml><?xml version="1.0" encoding="utf-8"?>
+<p:sld xmlns:a="http://schemas.openxmlformats.org/drawingml/2006/main" xmlns:r="http://schemas.openxmlformats.org/officeDocument/2006/relationships" xmlns:p="http://schemas.openxmlformats.org/presentationml/2006/main">
+  <p:cSld>
+    <p:spTree>
+      <p:nvGrpSpPr>
+        <p:cNvPr id="1" name=""/>
+        <p:cNvGrpSpPr/>
+        <p:nvPr/>
+      </p:nvGrpSpPr>
+      <p:grpSpPr>
+        <a:xfrm>
+          <a:off x="0" y="0"/>
+          <a:ext cx="0" cy="0"/>
+          <a:chOff x="0" y="0"/>
+          <a:chExt cx="0" cy="0"/>
+        </a:xfrm>
+      </p:grpSpPr>
+      <p:sp>
+        <p:nvSpPr>
+          <p:cNvPr id="5" name="Заголовок 3">
+            <a:extLst>
+              <a:ext uri="{FF2B5EF4-FFF2-40B4-BE49-F238E27FC236}">
+                <a16:creationId xmlns:a16="http://schemas.microsoft.com/office/drawing/2014/main" id="{B48BB881-C4D2-4184-84DC-7DA67E450B2C}"/>
+              </a:ext>
+            </a:extLst>
+          </p:cNvPr>
+          <p:cNvSpPr txBox="1">
+            <a:spLocks/>
+          </p:cNvSpPr>
+          <p:nvPr/>
+        </p:nvSpPr>
+        <p:spPr>
+          <a:xfrm>
+            <a:off x="2642794" y="2144112"/>
+            <a:ext cx="7339930" cy="2319450"/>
+          </a:xfrm>
+          <a:prstGeom prst="rect">
+            <a:avLst/>
+          </a:prstGeom>
+        </p:spPr>
+        <p:txBody>
+          <a:bodyPr vert="horz" lIns="91440" tIns="45720" rIns="91440" bIns="45720" rtlCol="0" anchor="b">
+            <a:normAutofit fontScale="85000" lnSpcReduction="20000"/>
+          </a:bodyPr>
+          <a:lstStyle>
+            <a:lvl1pPr algn="ctr" defTabSz="914400" rtl="0" eaLnBrk="1" latinLnBrk="0" hangingPunct="1">
+              <a:lnSpc>
+                <a:spcPct val="90000"/>
+              </a:lnSpc>
+              <a:spcBef>
+                <a:spcPct val="0"/>
+              </a:spcBef>
+              <a:buNone/>
+              <a:defRPr sz="6000" kern="1200">
+                <a:solidFill>
+                  <a:schemeClr val="tx1"/>
+                </a:solidFill>
+                <a:latin typeface="+mj-lt"/>
+                <a:ea typeface="+mj-ea"/>
+                <a:cs typeface="+mj-cs"/>
+              </a:defRPr>
+            </a:lvl1pPr>
+          </a:lstStyle>
+          <a:p>
+            <a:r>
+              <a:rPr lang="en-US" dirty="0"/>
+              <a:t>Calculator</a:t>
+            </a:r>
+          </a:p>
+          <a:p>
+            <a:endParaRPr lang="en-US" dirty="0"/>
+          </a:p>
+          <a:p>
+            <a:r>
+              <a:rPr lang="en-US" dirty="0"/>
+              <a:t>add, sub, </a:t>
+            </a:r>
+            <a:r>
+              <a:rPr lang="en-US" dirty="0" err="1"/>
+              <a:t>mul</a:t>
+            </a:r>
+            <a:r>
+              <a:rPr lang="en-US" dirty="0"/>
+              <a:t>, div, </a:t>
+            </a:r>
+            <a:r>
+              <a:rPr lang="en-US" dirty="0" err="1"/>
+              <a:t>my_pow</a:t>
+            </a:r>
+            <a:r>
+              <a:rPr lang="en-US" dirty="0"/>
+              <a:t>, </a:t>
+            </a:r>
+            <a:r>
+              <a:rPr lang="en-US" dirty="0" err="1"/>
+              <a:t>my_sqrt</a:t>
+            </a:r>
+            <a:endParaRPr lang="ru-RU" dirty="0"/>
+          </a:p>
+        </p:txBody>
+      </p:sp>
+    </p:spTree>
+    <p:extLst>
+      <p:ext uri="{BB962C8B-B14F-4D97-AF65-F5344CB8AC3E}">
+        <p14:creationId xmlns:p14="http://schemas.microsoft.com/office/powerpoint/2010/main" val="1550687238"/>
       </p:ext>
     </p:extLst>
   </p:cSld>
